--- a/results.pptx
+++ b/results.pptx
@@ -5,12 +5,24 @@
     <p:sldMasterId id="2147483648" r:id="rId1"/>
   </p:sldMasterIdLst>
   <p:notesMasterIdLst>
-    <p:notesMasterId r:id="rId5"/>
+    <p:notesMasterId r:id="rId17"/>
   </p:notesMasterIdLst>
   <p:sldIdLst>
-    <p:sldId id="257" r:id="rId2"/>
-    <p:sldId id="256" r:id="rId3"/>
-    <p:sldId id="258" r:id="rId4"/>
+    <p:sldId id="258" r:id="rId2"/>
+    <p:sldId id="257" r:id="rId3"/>
+    <p:sldId id="256" r:id="rId4"/>
+    <p:sldId id="261" r:id="rId5"/>
+    <p:sldId id="259" r:id="rId6"/>
+    <p:sldId id="260" r:id="rId7"/>
+    <p:sldId id="264" r:id="rId8"/>
+    <p:sldId id="262" r:id="rId9"/>
+    <p:sldId id="263" r:id="rId10"/>
+    <p:sldId id="267" r:id="rId11"/>
+    <p:sldId id="265" r:id="rId12"/>
+    <p:sldId id="266" r:id="rId13"/>
+    <p:sldId id="270" r:id="rId14"/>
+    <p:sldId id="268" r:id="rId15"/>
+    <p:sldId id="269" r:id="rId16"/>
   </p:sldIdLst>
   <p:sldSz cx="12192000" cy="6858000"/>
   <p:notesSz cx="6858000" cy="9144000"/>
@@ -199,7 +211,7 @@
           <a:p>
             <a:fld id="{F73061B5-31A7-4C24-844F-D20A7C25F2D5}" type="datetimeFigureOut">
               <a:rPr lang="en-US" smtClean="0"/>
-              <a:t>9/29/2024</a:t>
+              <a:t>10/6/2024</a:t>
             </a:fld>
             <a:endParaRPr lang="en-US"/>
           </a:p>
@@ -531,7 +543,7 @@
           <a:p>
             <a:fld id="{A5333E18-5647-41FF-B152-D0C57960FE27}" type="slidenum">
               <a:rPr lang="en-US" smtClean="0"/>
-              <a:t>2</a:t>
+              <a:t>3</a:t>
             </a:fld>
             <a:endParaRPr lang="en-US"/>
           </a:p>
@@ -697,7 +709,7 @@
           <a:p>
             <a:fld id="{916B6C3C-84C1-4837-8AD3-C93EFA7641BD}" type="datetimeFigureOut">
               <a:rPr lang="en-US" smtClean="0"/>
-              <a:t>9/29/2024</a:t>
+              <a:t>10/6/2024</a:t>
             </a:fld>
             <a:endParaRPr lang="en-US"/>
           </a:p>
@@ -895,7 +907,7 @@
           <a:p>
             <a:fld id="{916B6C3C-84C1-4837-8AD3-C93EFA7641BD}" type="datetimeFigureOut">
               <a:rPr lang="en-US" smtClean="0"/>
-              <a:t>9/29/2024</a:t>
+              <a:t>10/6/2024</a:t>
             </a:fld>
             <a:endParaRPr lang="en-US"/>
           </a:p>
@@ -1103,7 +1115,7 @@
           <a:p>
             <a:fld id="{916B6C3C-84C1-4837-8AD3-C93EFA7641BD}" type="datetimeFigureOut">
               <a:rPr lang="en-US" smtClean="0"/>
-              <a:t>9/29/2024</a:t>
+              <a:t>10/6/2024</a:t>
             </a:fld>
             <a:endParaRPr lang="en-US"/>
           </a:p>
@@ -1301,7 +1313,7 @@
           <a:p>
             <a:fld id="{916B6C3C-84C1-4837-8AD3-C93EFA7641BD}" type="datetimeFigureOut">
               <a:rPr lang="en-US" smtClean="0"/>
-              <a:t>9/29/2024</a:t>
+              <a:t>10/6/2024</a:t>
             </a:fld>
             <a:endParaRPr lang="en-US"/>
           </a:p>
@@ -1576,7 +1588,7 @@
           <a:p>
             <a:fld id="{916B6C3C-84C1-4837-8AD3-C93EFA7641BD}" type="datetimeFigureOut">
               <a:rPr lang="en-US" smtClean="0"/>
-              <a:t>9/29/2024</a:t>
+              <a:t>10/6/2024</a:t>
             </a:fld>
             <a:endParaRPr lang="en-US"/>
           </a:p>
@@ -1841,7 +1853,7 @@
           <a:p>
             <a:fld id="{916B6C3C-84C1-4837-8AD3-C93EFA7641BD}" type="datetimeFigureOut">
               <a:rPr lang="en-US" smtClean="0"/>
-              <a:t>9/29/2024</a:t>
+              <a:t>10/6/2024</a:t>
             </a:fld>
             <a:endParaRPr lang="en-US"/>
           </a:p>
@@ -2253,7 +2265,7 @@
           <a:p>
             <a:fld id="{916B6C3C-84C1-4837-8AD3-C93EFA7641BD}" type="datetimeFigureOut">
               <a:rPr lang="en-US" smtClean="0"/>
-              <a:t>9/29/2024</a:t>
+              <a:t>10/6/2024</a:t>
             </a:fld>
             <a:endParaRPr lang="en-US"/>
           </a:p>
@@ -2394,7 +2406,7 @@
           <a:p>
             <a:fld id="{916B6C3C-84C1-4837-8AD3-C93EFA7641BD}" type="datetimeFigureOut">
               <a:rPr lang="en-US" smtClean="0"/>
-              <a:t>9/29/2024</a:t>
+              <a:t>10/6/2024</a:t>
             </a:fld>
             <a:endParaRPr lang="en-US"/>
           </a:p>
@@ -2507,7 +2519,7 @@
           <a:p>
             <a:fld id="{916B6C3C-84C1-4837-8AD3-C93EFA7641BD}" type="datetimeFigureOut">
               <a:rPr lang="en-US" smtClean="0"/>
-              <a:t>9/29/2024</a:t>
+              <a:t>10/6/2024</a:t>
             </a:fld>
             <a:endParaRPr lang="en-US"/>
           </a:p>
@@ -2818,7 +2830,7 @@
           <a:p>
             <a:fld id="{916B6C3C-84C1-4837-8AD3-C93EFA7641BD}" type="datetimeFigureOut">
               <a:rPr lang="en-US" smtClean="0"/>
-              <a:t>9/29/2024</a:t>
+              <a:t>10/6/2024</a:t>
             </a:fld>
             <a:endParaRPr lang="en-US"/>
           </a:p>
@@ -3106,7 +3118,7 @@
           <a:p>
             <a:fld id="{916B6C3C-84C1-4837-8AD3-C93EFA7641BD}" type="datetimeFigureOut">
               <a:rPr lang="en-US" smtClean="0"/>
-              <a:t>9/29/2024</a:t>
+              <a:t>10/6/2024</a:t>
             </a:fld>
             <a:endParaRPr lang="en-US"/>
           </a:p>
@@ -3347,7 +3359,7 @@
           <a:p>
             <a:fld id="{916B6C3C-84C1-4837-8AD3-C93EFA7641BD}" type="datetimeFigureOut">
               <a:rPr lang="en-US" smtClean="0"/>
-              <a:t>9/29/2024</a:t>
+              <a:t>10/6/2024</a:t>
             </a:fld>
             <a:endParaRPr lang="en-US"/>
           </a:p>
@@ -3769,7 +3781,7 @@
           <p:cNvPr id="7" name="Picture 6">
             <a:extLst>
               <a:ext uri="{FF2B5EF4-FFF2-40B4-BE49-F238E27FC236}">
-                <a16:creationId xmlns:a16="http://schemas.microsoft.com/office/drawing/2014/main" id="{8641B297-9B63-04CA-8611-E1AEB176EFA2}"/>
+                <a16:creationId xmlns:a16="http://schemas.microsoft.com/office/drawing/2014/main" id="{B421BF2F-C74B-294B-1A70-D719FB9ABBC6}"/>
               </a:ext>
             </a:extLst>
           </p:cNvPr>
@@ -3786,8 +3798,8 @@
         </p:blipFill>
         <p:spPr>
           <a:xfrm>
-            <a:off x="0" y="496529"/>
-            <a:ext cx="6047746" cy="5864942"/>
+            <a:off x="1139765" y="1166497"/>
+            <a:ext cx="4544059" cy="4525006"/>
           </a:xfrm>
           <a:prstGeom prst="rect">
             <a:avLst/>
@@ -3796,10 +3808,10 @@
       </p:pic>
       <p:pic>
         <p:nvPicPr>
-          <p:cNvPr id="10" name="Picture 9">
-            <a:extLst>
-              <a:ext uri="{FF2B5EF4-FFF2-40B4-BE49-F238E27FC236}">
-                <a16:creationId xmlns:a16="http://schemas.microsoft.com/office/drawing/2014/main" id="{DC13A49F-AA28-F430-006D-2A170FC6B499}"/>
+          <p:cNvPr id="9" name="Picture 8">
+            <a:extLst>
+              <a:ext uri="{FF2B5EF4-FFF2-40B4-BE49-F238E27FC236}">
+                <a16:creationId xmlns:a16="http://schemas.microsoft.com/office/drawing/2014/main" id="{98775923-3D82-7ECB-CEE6-82270E986189}"/>
               </a:ext>
             </a:extLst>
           </p:cNvPr>
@@ -3816,8 +3828,8 @@
         </p:blipFill>
         <p:spPr>
           <a:xfrm>
-            <a:off x="6096000" y="496529"/>
-            <a:ext cx="5942418" cy="5864942"/>
+            <a:off x="6596667" y="1109339"/>
+            <a:ext cx="4544059" cy="4582164"/>
           </a:xfrm>
           <a:prstGeom prst="rect">
             <a:avLst/>
@@ -3827,7 +3839,547 @@
     </p:spTree>
     <p:extLst>
       <p:ext uri="{BB962C8B-B14F-4D97-AF65-F5344CB8AC3E}">
-        <p14:creationId xmlns:p14="http://schemas.microsoft.com/office/powerpoint/2010/main" val="4285097575"/>
+        <p14:creationId xmlns:p14="http://schemas.microsoft.com/office/powerpoint/2010/main" val="3614146298"/>
+      </p:ext>
+    </p:extLst>
+  </p:cSld>
+  <p:clrMapOvr>
+    <a:masterClrMapping/>
+  </p:clrMapOvr>
+</p:sld>
+</file>
+
+<file path=ppt/slides/slide10.xml><?xml version="1.0" encoding="utf-8"?>
+<p:sld xmlns:a="http://schemas.openxmlformats.org/drawingml/2006/main" xmlns:r="http://schemas.openxmlformats.org/officeDocument/2006/relationships" xmlns:p="http://schemas.openxmlformats.org/presentationml/2006/main">
+  <p:cSld>
+    <p:spTree>
+      <p:nvGrpSpPr>
+        <p:cNvPr id="1" name=""/>
+        <p:cNvGrpSpPr/>
+        <p:nvPr/>
+      </p:nvGrpSpPr>
+      <p:grpSpPr>
+        <a:xfrm>
+          <a:off x="0" y="0"/>
+          <a:ext cx="0" cy="0"/>
+          <a:chOff x="0" y="0"/>
+          <a:chExt cx="0" cy="0"/>
+        </a:xfrm>
+      </p:grpSpPr>
+      <p:pic>
+        <p:nvPicPr>
+          <p:cNvPr id="3" name="Picture 2">
+            <a:extLst>
+              <a:ext uri="{FF2B5EF4-FFF2-40B4-BE49-F238E27FC236}">
+                <a16:creationId xmlns:a16="http://schemas.microsoft.com/office/drawing/2014/main" id="{7610A6DA-06B7-A10C-B27D-ACC511FA2A39}"/>
+              </a:ext>
+            </a:extLst>
+          </p:cNvPr>
+          <p:cNvPicPr>
+            <a:picLocks noChangeAspect="1"/>
+          </p:cNvPicPr>
+          <p:nvPr/>
+        </p:nvPicPr>
+        <p:blipFill>
+          <a:blip r:embed="rId2"/>
+          <a:stretch>
+            <a:fillRect/>
+          </a:stretch>
+        </p:blipFill>
+        <p:spPr>
+          <a:xfrm>
+            <a:off x="594838" y="1147444"/>
+            <a:ext cx="4591691" cy="4563112"/>
+          </a:xfrm>
+          <a:prstGeom prst="rect">
+            <a:avLst/>
+          </a:prstGeom>
+        </p:spPr>
+      </p:pic>
+      <p:pic>
+        <p:nvPicPr>
+          <p:cNvPr id="5" name="Picture 4">
+            <a:extLst>
+              <a:ext uri="{FF2B5EF4-FFF2-40B4-BE49-F238E27FC236}">
+                <a16:creationId xmlns:a16="http://schemas.microsoft.com/office/drawing/2014/main" id="{61F0D7FD-A0EF-763A-1FF7-88DE83A6F19A}"/>
+              </a:ext>
+            </a:extLst>
+          </p:cNvPr>
+          <p:cNvPicPr>
+            <a:picLocks noChangeAspect="1"/>
+          </p:cNvPicPr>
+          <p:nvPr/>
+        </p:nvPicPr>
+        <p:blipFill>
+          <a:blip r:embed="rId3"/>
+          <a:stretch>
+            <a:fillRect/>
+          </a:stretch>
+        </p:blipFill>
+        <p:spPr>
+          <a:xfrm>
+            <a:off x="6392332" y="1161733"/>
+            <a:ext cx="4677428" cy="4534533"/>
+          </a:xfrm>
+          <a:prstGeom prst="rect">
+            <a:avLst/>
+          </a:prstGeom>
+        </p:spPr>
+      </p:pic>
+    </p:spTree>
+    <p:extLst>
+      <p:ext uri="{BB962C8B-B14F-4D97-AF65-F5344CB8AC3E}">
+        <p14:creationId xmlns:p14="http://schemas.microsoft.com/office/powerpoint/2010/main" val="1273182950"/>
+      </p:ext>
+    </p:extLst>
+  </p:cSld>
+  <p:clrMapOvr>
+    <a:masterClrMapping/>
+  </p:clrMapOvr>
+</p:sld>
+</file>
+
+<file path=ppt/slides/slide11.xml><?xml version="1.0" encoding="utf-8"?>
+<p:sld xmlns:a="http://schemas.openxmlformats.org/drawingml/2006/main" xmlns:r="http://schemas.openxmlformats.org/officeDocument/2006/relationships" xmlns:p="http://schemas.openxmlformats.org/presentationml/2006/main">
+  <p:cSld>
+    <p:spTree>
+      <p:nvGrpSpPr>
+        <p:cNvPr id="1" name=""/>
+        <p:cNvGrpSpPr/>
+        <p:nvPr/>
+      </p:nvGrpSpPr>
+      <p:grpSpPr>
+        <a:xfrm>
+          <a:off x="0" y="0"/>
+          <a:ext cx="0" cy="0"/>
+          <a:chOff x="0" y="0"/>
+          <a:chExt cx="0" cy="0"/>
+        </a:xfrm>
+      </p:grpSpPr>
+      <p:pic>
+        <p:nvPicPr>
+          <p:cNvPr id="3" name="Picture 2">
+            <a:extLst>
+              <a:ext uri="{FF2B5EF4-FFF2-40B4-BE49-F238E27FC236}">
+                <a16:creationId xmlns:a16="http://schemas.microsoft.com/office/drawing/2014/main" id="{AB899F03-D68D-21ED-FB95-9CB0FB7EA8CE}"/>
+              </a:ext>
+            </a:extLst>
+          </p:cNvPr>
+          <p:cNvPicPr>
+            <a:picLocks noChangeAspect="1"/>
+          </p:cNvPicPr>
+          <p:nvPr/>
+        </p:nvPicPr>
+        <p:blipFill>
+          <a:blip r:embed="rId2"/>
+          <a:stretch>
+            <a:fillRect/>
+          </a:stretch>
+        </p:blipFill>
+        <p:spPr>
+          <a:xfrm>
+            <a:off x="0" y="526026"/>
+            <a:ext cx="5784039" cy="5805948"/>
+          </a:xfrm>
+          <a:prstGeom prst="rect">
+            <a:avLst/>
+          </a:prstGeom>
+        </p:spPr>
+      </p:pic>
+      <p:pic>
+        <p:nvPicPr>
+          <p:cNvPr id="5" name="Picture 4">
+            <a:extLst>
+              <a:ext uri="{FF2B5EF4-FFF2-40B4-BE49-F238E27FC236}">
+                <a16:creationId xmlns:a16="http://schemas.microsoft.com/office/drawing/2014/main" id="{48163734-6294-AD96-E1E8-F1D51EC36C07}"/>
+              </a:ext>
+            </a:extLst>
+          </p:cNvPr>
+          <p:cNvPicPr>
+            <a:picLocks noChangeAspect="1"/>
+          </p:cNvPicPr>
+          <p:nvPr/>
+        </p:nvPicPr>
+        <p:blipFill>
+          <a:blip r:embed="rId3"/>
+          <a:stretch>
+            <a:fillRect/>
+          </a:stretch>
+        </p:blipFill>
+        <p:spPr>
+          <a:xfrm>
+            <a:off x="6210874" y="526026"/>
+            <a:ext cx="5776846" cy="5805948"/>
+          </a:xfrm>
+          <a:prstGeom prst="rect">
+            <a:avLst/>
+          </a:prstGeom>
+        </p:spPr>
+      </p:pic>
+    </p:spTree>
+    <p:extLst>
+      <p:ext uri="{BB962C8B-B14F-4D97-AF65-F5344CB8AC3E}">
+        <p14:creationId xmlns:p14="http://schemas.microsoft.com/office/powerpoint/2010/main" val="2966707375"/>
+      </p:ext>
+    </p:extLst>
+  </p:cSld>
+  <p:clrMapOvr>
+    <a:masterClrMapping/>
+  </p:clrMapOvr>
+</p:sld>
+</file>
+
+<file path=ppt/slides/slide12.xml><?xml version="1.0" encoding="utf-8"?>
+<p:sld xmlns:a="http://schemas.openxmlformats.org/drawingml/2006/main" xmlns:r="http://schemas.openxmlformats.org/officeDocument/2006/relationships" xmlns:p="http://schemas.openxmlformats.org/presentationml/2006/main">
+  <p:cSld>
+    <p:spTree>
+      <p:nvGrpSpPr>
+        <p:cNvPr id="1" name=""/>
+        <p:cNvGrpSpPr/>
+        <p:nvPr/>
+      </p:nvGrpSpPr>
+      <p:grpSpPr>
+        <a:xfrm>
+          <a:off x="0" y="0"/>
+          <a:ext cx="0" cy="0"/>
+          <a:chOff x="0" y="0"/>
+          <a:chExt cx="0" cy="0"/>
+        </a:xfrm>
+      </p:grpSpPr>
+      <p:pic>
+        <p:nvPicPr>
+          <p:cNvPr id="3" name="Picture 2">
+            <a:extLst>
+              <a:ext uri="{FF2B5EF4-FFF2-40B4-BE49-F238E27FC236}">
+                <a16:creationId xmlns:a16="http://schemas.microsoft.com/office/drawing/2014/main" id="{1FF18A9D-53DA-4A5D-14B3-8254017E975D}"/>
+              </a:ext>
+            </a:extLst>
+          </p:cNvPr>
+          <p:cNvPicPr>
+            <a:picLocks noChangeAspect="1"/>
+          </p:cNvPicPr>
+          <p:nvPr/>
+        </p:nvPicPr>
+        <p:blipFill>
+          <a:blip r:embed="rId2"/>
+          <a:stretch>
+            <a:fillRect/>
+          </a:stretch>
+        </p:blipFill>
+        <p:spPr>
+          <a:xfrm>
+            <a:off x="0" y="629264"/>
+            <a:ext cx="5728002" cy="5756787"/>
+          </a:xfrm>
+          <a:prstGeom prst="rect">
+            <a:avLst/>
+          </a:prstGeom>
+        </p:spPr>
+      </p:pic>
+      <p:pic>
+        <p:nvPicPr>
+          <p:cNvPr id="5" name="Picture 4">
+            <a:extLst>
+              <a:ext uri="{FF2B5EF4-FFF2-40B4-BE49-F238E27FC236}">
+                <a16:creationId xmlns:a16="http://schemas.microsoft.com/office/drawing/2014/main" id="{C8E6ACAE-7AE4-B58C-0E79-F5E6CE2B7CE9}"/>
+              </a:ext>
+            </a:extLst>
+          </p:cNvPr>
+          <p:cNvPicPr>
+            <a:picLocks noChangeAspect="1"/>
+          </p:cNvPicPr>
+          <p:nvPr/>
+        </p:nvPicPr>
+        <p:blipFill>
+          <a:blip r:embed="rId3"/>
+          <a:stretch>
+            <a:fillRect/>
+          </a:stretch>
+        </p:blipFill>
+        <p:spPr>
+          <a:xfrm>
+            <a:off x="6239111" y="629264"/>
+            <a:ext cx="5728003" cy="5771397"/>
+          </a:xfrm>
+          <a:prstGeom prst="rect">
+            <a:avLst/>
+          </a:prstGeom>
+        </p:spPr>
+      </p:pic>
+    </p:spTree>
+    <p:extLst>
+      <p:ext uri="{BB962C8B-B14F-4D97-AF65-F5344CB8AC3E}">
+        <p14:creationId xmlns:p14="http://schemas.microsoft.com/office/powerpoint/2010/main" val="2079939935"/>
+      </p:ext>
+    </p:extLst>
+  </p:cSld>
+  <p:clrMapOvr>
+    <a:masterClrMapping/>
+  </p:clrMapOvr>
+</p:sld>
+</file>
+
+<file path=ppt/slides/slide13.xml><?xml version="1.0" encoding="utf-8"?>
+<p:sld xmlns:a="http://schemas.openxmlformats.org/drawingml/2006/main" xmlns:r="http://schemas.openxmlformats.org/officeDocument/2006/relationships" xmlns:p="http://schemas.openxmlformats.org/presentationml/2006/main">
+  <p:cSld>
+    <p:spTree>
+      <p:nvGrpSpPr>
+        <p:cNvPr id="1" name=""/>
+        <p:cNvGrpSpPr/>
+        <p:nvPr/>
+      </p:nvGrpSpPr>
+      <p:grpSpPr>
+        <a:xfrm>
+          <a:off x="0" y="0"/>
+          <a:ext cx="0" cy="0"/>
+          <a:chOff x="0" y="0"/>
+          <a:chExt cx="0" cy="0"/>
+        </a:xfrm>
+      </p:grpSpPr>
+      <p:pic>
+        <p:nvPicPr>
+          <p:cNvPr id="3" name="Picture 2">
+            <a:extLst>
+              <a:ext uri="{FF2B5EF4-FFF2-40B4-BE49-F238E27FC236}">
+                <a16:creationId xmlns:a16="http://schemas.microsoft.com/office/drawing/2014/main" id="{1046C0B4-5CB5-9D8F-2FC6-376CB1F35F37}"/>
+              </a:ext>
+            </a:extLst>
+          </p:cNvPr>
+          <p:cNvPicPr>
+            <a:picLocks noChangeAspect="1"/>
+          </p:cNvPicPr>
+          <p:nvPr/>
+        </p:nvPicPr>
+        <p:blipFill>
+          <a:blip r:embed="rId2"/>
+          <a:stretch>
+            <a:fillRect/>
+          </a:stretch>
+        </p:blipFill>
+        <p:spPr>
+          <a:xfrm>
+            <a:off x="256084" y="1152207"/>
+            <a:ext cx="4620270" cy="4553585"/>
+          </a:xfrm>
+          <a:prstGeom prst="rect">
+            <a:avLst/>
+          </a:prstGeom>
+        </p:spPr>
+      </p:pic>
+      <p:pic>
+        <p:nvPicPr>
+          <p:cNvPr id="5" name="Picture 4">
+            <a:extLst>
+              <a:ext uri="{FF2B5EF4-FFF2-40B4-BE49-F238E27FC236}">
+                <a16:creationId xmlns:a16="http://schemas.microsoft.com/office/drawing/2014/main" id="{04752EAD-F90F-1484-36B9-4EFACEE34143}"/>
+              </a:ext>
+            </a:extLst>
+          </p:cNvPr>
+          <p:cNvPicPr>
+            <a:picLocks noChangeAspect="1"/>
+          </p:cNvPicPr>
+          <p:nvPr/>
+        </p:nvPicPr>
+        <p:blipFill>
+          <a:blip r:embed="rId3"/>
+          <a:stretch>
+            <a:fillRect/>
+          </a:stretch>
+        </p:blipFill>
+        <p:spPr>
+          <a:xfrm>
+            <a:off x="6178163" y="1123627"/>
+            <a:ext cx="4810796" cy="4610743"/>
+          </a:xfrm>
+          <a:prstGeom prst="rect">
+            <a:avLst/>
+          </a:prstGeom>
+        </p:spPr>
+      </p:pic>
+    </p:spTree>
+    <p:extLst>
+      <p:ext uri="{BB962C8B-B14F-4D97-AF65-F5344CB8AC3E}">
+        <p14:creationId xmlns:p14="http://schemas.microsoft.com/office/powerpoint/2010/main" val="2249063605"/>
+      </p:ext>
+    </p:extLst>
+  </p:cSld>
+  <p:clrMapOvr>
+    <a:masterClrMapping/>
+  </p:clrMapOvr>
+</p:sld>
+</file>
+
+<file path=ppt/slides/slide14.xml><?xml version="1.0" encoding="utf-8"?>
+<p:sld xmlns:a="http://schemas.openxmlformats.org/drawingml/2006/main" xmlns:r="http://schemas.openxmlformats.org/officeDocument/2006/relationships" xmlns:p="http://schemas.openxmlformats.org/presentationml/2006/main">
+  <p:cSld>
+    <p:spTree>
+      <p:nvGrpSpPr>
+        <p:cNvPr id="1" name=""/>
+        <p:cNvGrpSpPr/>
+        <p:nvPr/>
+      </p:nvGrpSpPr>
+      <p:grpSpPr>
+        <a:xfrm>
+          <a:off x="0" y="0"/>
+          <a:ext cx="0" cy="0"/>
+          <a:chOff x="0" y="0"/>
+          <a:chExt cx="0" cy="0"/>
+        </a:xfrm>
+      </p:grpSpPr>
+      <p:pic>
+        <p:nvPicPr>
+          <p:cNvPr id="3" name="Picture 2">
+            <a:extLst>
+              <a:ext uri="{FF2B5EF4-FFF2-40B4-BE49-F238E27FC236}">
+                <a16:creationId xmlns:a16="http://schemas.microsoft.com/office/drawing/2014/main" id="{85BFB191-16AF-1177-C3D0-AB5D3163076D}"/>
+              </a:ext>
+            </a:extLst>
+          </p:cNvPr>
+          <p:cNvPicPr>
+            <a:picLocks noChangeAspect="1"/>
+          </p:cNvPicPr>
+          <p:nvPr/>
+        </p:nvPicPr>
+        <p:blipFill>
+          <a:blip r:embed="rId2"/>
+          <a:stretch>
+            <a:fillRect/>
+          </a:stretch>
+        </p:blipFill>
+        <p:spPr>
+          <a:xfrm>
+            <a:off x="157821" y="602899"/>
+            <a:ext cx="5574386" cy="5652201"/>
+          </a:xfrm>
+          <a:prstGeom prst="rect">
+            <a:avLst/>
+          </a:prstGeom>
+        </p:spPr>
+      </p:pic>
+      <p:pic>
+        <p:nvPicPr>
+          <p:cNvPr id="5" name="Picture 4">
+            <a:extLst>
+              <a:ext uri="{FF2B5EF4-FFF2-40B4-BE49-F238E27FC236}">
+                <a16:creationId xmlns:a16="http://schemas.microsoft.com/office/drawing/2014/main" id="{634E9AF9-E8FE-7629-CDBB-7731BB4C2030}"/>
+              </a:ext>
+            </a:extLst>
+          </p:cNvPr>
+          <p:cNvPicPr>
+            <a:picLocks noChangeAspect="1"/>
+          </p:cNvPicPr>
+          <p:nvPr/>
+        </p:nvPicPr>
+        <p:blipFill>
+          <a:blip r:embed="rId3"/>
+          <a:stretch>
+            <a:fillRect/>
+          </a:stretch>
+        </p:blipFill>
+        <p:spPr>
+          <a:xfrm>
+            <a:off x="6459795" y="602899"/>
+            <a:ext cx="5588773" cy="5652201"/>
+          </a:xfrm>
+          <a:prstGeom prst="rect">
+            <a:avLst/>
+          </a:prstGeom>
+        </p:spPr>
+      </p:pic>
+    </p:spTree>
+    <p:extLst>
+      <p:ext uri="{BB962C8B-B14F-4D97-AF65-F5344CB8AC3E}">
+        <p14:creationId xmlns:p14="http://schemas.microsoft.com/office/powerpoint/2010/main" val="2353593986"/>
+      </p:ext>
+    </p:extLst>
+  </p:cSld>
+  <p:clrMapOvr>
+    <a:masterClrMapping/>
+  </p:clrMapOvr>
+</p:sld>
+</file>
+
+<file path=ppt/slides/slide15.xml><?xml version="1.0" encoding="utf-8"?>
+<p:sld xmlns:a="http://schemas.openxmlformats.org/drawingml/2006/main" xmlns:r="http://schemas.openxmlformats.org/officeDocument/2006/relationships" xmlns:p="http://schemas.openxmlformats.org/presentationml/2006/main">
+  <p:cSld>
+    <p:spTree>
+      <p:nvGrpSpPr>
+        <p:cNvPr id="1" name=""/>
+        <p:cNvGrpSpPr/>
+        <p:nvPr/>
+      </p:nvGrpSpPr>
+      <p:grpSpPr>
+        <a:xfrm>
+          <a:off x="0" y="0"/>
+          <a:ext cx="0" cy="0"/>
+          <a:chOff x="0" y="0"/>
+          <a:chExt cx="0" cy="0"/>
+        </a:xfrm>
+      </p:grpSpPr>
+      <p:pic>
+        <p:nvPicPr>
+          <p:cNvPr id="3" name="Picture 2">
+            <a:extLst>
+              <a:ext uri="{FF2B5EF4-FFF2-40B4-BE49-F238E27FC236}">
+                <a16:creationId xmlns:a16="http://schemas.microsoft.com/office/drawing/2014/main" id="{D0DA176F-B503-0CF6-4022-C7CA95A6DA62}"/>
+              </a:ext>
+            </a:extLst>
+          </p:cNvPr>
+          <p:cNvPicPr>
+            <a:picLocks noChangeAspect="1"/>
+          </p:cNvPicPr>
+          <p:nvPr/>
+        </p:nvPicPr>
+        <p:blipFill>
+          <a:blip r:embed="rId2"/>
+          <a:stretch>
+            <a:fillRect/>
+          </a:stretch>
+        </p:blipFill>
+        <p:spPr>
+          <a:xfrm>
+            <a:off x="0" y="589935"/>
+            <a:ext cx="5621205" cy="5678129"/>
+          </a:xfrm>
+          <a:prstGeom prst="rect">
+            <a:avLst/>
+          </a:prstGeom>
+        </p:spPr>
+      </p:pic>
+      <p:pic>
+        <p:nvPicPr>
+          <p:cNvPr id="5" name="Picture 4">
+            <a:extLst>
+              <a:ext uri="{FF2B5EF4-FFF2-40B4-BE49-F238E27FC236}">
+                <a16:creationId xmlns:a16="http://schemas.microsoft.com/office/drawing/2014/main" id="{6F1E1FB7-8E41-41CC-2FA1-4E312A41AFDB}"/>
+              </a:ext>
+            </a:extLst>
+          </p:cNvPr>
+          <p:cNvPicPr>
+            <a:picLocks noChangeAspect="1"/>
+          </p:cNvPicPr>
+          <p:nvPr/>
+        </p:nvPicPr>
+        <p:blipFill>
+          <a:blip r:embed="rId3"/>
+          <a:stretch>
+            <a:fillRect/>
+          </a:stretch>
+        </p:blipFill>
+        <p:spPr>
+          <a:xfrm>
+            <a:off x="6096000" y="589935"/>
+            <a:ext cx="5642551" cy="5678129"/>
+          </a:xfrm>
+          <a:prstGeom prst="rect">
+            <a:avLst/>
+          </a:prstGeom>
+        </p:spPr>
+      </p:pic>
+    </p:spTree>
+    <p:extLst>
+      <p:ext uri="{BB962C8B-B14F-4D97-AF65-F5344CB8AC3E}">
+        <p14:creationId xmlns:p14="http://schemas.microsoft.com/office/powerpoint/2010/main" val="4084157667"/>
       </p:ext>
     </p:extLst>
   </p:cSld>
@@ -3859,7 +4411,37 @@
           <p:cNvPr id="7" name="Picture 6">
             <a:extLst>
               <a:ext uri="{FF2B5EF4-FFF2-40B4-BE49-F238E27FC236}">
-                <a16:creationId xmlns:a16="http://schemas.microsoft.com/office/drawing/2014/main" id="{3324ED45-43AC-BD38-9CD8-864B94CF1BB9}"/>
+                <a16:creationId xmlns:a16="http://schemas.microsoft.com/office/drawing/2014/main" id="{8641B297-9B63-04CA-8611-E1AEB176EFA2}"/>
+              </a:ext>
+            </a:extLst>
+          </p:cNvPr>
+          <p:cNvPicPr>
+            <a:picLocks noChangeAspect="1"/>
+          </p:cNvPicPr>
+          <p:nvPr/>
+        </p:nvPicPr>
+        <p:blipFill>
+          <a:blip r:embed="rId2"/>
+          <a:stretch>
+            <a:fillRect/>
+          </a:stretch>
+        </p:blipFill>
+        <p:spPr>
+          <a:xfrm>
+            <a:off x="0" y="496529"/>
+            <a:ext cx="6047746" cy="5864942"/>
+          </a:xfrm>
+          <a:prstGeom prst="rect">
+            <a:avLst/>
+          </a:prstGeom>
+        </p:spPr>
+      </p:pic>
+      <p:pic>
+        <p:nvPicPr>
+          <p:cNvPr id="10" name="Picture 9">
+            <a:extLst>
+              <a:ext uri="{FF2B5EF4-FFF2-40B4-BE49-F238E27FC236}">
+                <a16:creationId xmlns:a16="http://schemas.microsoft.com/office/drawing/2014/main" id="{DC13A49F-AA28-F430-006D-2A170FC6B499}"/>
               </a:ext>
             </a:extLst>
           </p:cNvPr>
@@ -3876,38 +4458,8 @@
         </p:blipFill>
         <p:spPr>
           <a:xfrm>
-            <a:off x="6076465" y="506360"/>
-            <a:ext cx="6115535" cy="5845277"/>
-          </a:xfrm>
-          <a:prstGeom prst="rect">
-            <a:avLst/>
-          </a:prstGeom>
-        </p:spPr>
-      </p:pic>
-      <p:pic>
-        <p:nvPicPr>
-          <p:cNvPr id="9" name="Picture 8">
-            <a:extLst>
-              <a:ext uri="{FF2B5EF4-FFF2-40B4-BE49-F238E27FC236}">
-                <a16:creationId xmlns:a16="http://schemas.microsoft.com/office/drawing/2014/main" id="{0E8E3690-3636-408E-FD6E-EB1741B8D5B5}"/>
-              </a:ext>
-            </a:extLst>
-          </p:cNvPr>
-          <p:cNvPicPr>
-            <a:picLocks noChangeAspect="1"/>
-          </p:cNvPicPr>
-          <p:nvPr/>
-        </p:nvPicPr>
-        <p:blipFill>
-          <a:blip r:embed="rId4"/>
-          <a:stretch>
-            <a:fillRect/>
-          </a:stretch>
-        </p:blipFill>
-        <p:spPr>
-          <a:xfrm>
-            <a:off x="0" y="506361"/>
-            <a:ext cx="5996513" cy="5845277"/>
+            <a:off x="6096000" y="496529"/>
+            <a:ext cx="5942418" cy="5864942"/>
           </a:xfrm>
           <a:prstGeom prst="rect">
             <a:avLst/>
@@ -3917,7 +4469,7 @@
     </p:spTree>
     <p:extLst>
       <p:ext uri="{BB962C8B-B14F-4D97-AF65-F5344CB8AC3E}">
-        <p14:creationId xmlns:p14="http://schemas.microsoft.com/office/powerpoint/2010/main" val="2973698502"/>
+        <p14:creationId xmlns:p14="http://schemas.microsoft.com/office/powerpoint/2010/main" val="4285097575"/>
       </p:ext>
     </p:extLst>
   </p:cSld>
@@ -3949,7 +4501,97 @@
           <p:cNvPr id="7" name="Picture 6">
             <a:extLst>
               <a:ext uri="{FF2B5EF4-FFF2-40B4-BE49-F238E27FC236}">
-                <a16:creationId xmlns:a16="http://schemas.microsoft.com/office/drawing/2014/main" id="{B421BF2F-C74B-294B-1A70-D719FB9ABBC6}"/>
+                <a16:creationId xmlns:a16="http://schemas.microsoft.com/office/drawing/2014/main" id="{3324ED45-43AC-BD38-9CD8-864B94CF1BB9}"/>
+              </a:ext>
+            </a:extLst>
+          </p:cNvPr>
+          <p:cNvPicPr>
+            <a:picLocks noChangeAspect="1"/>
+          </p:cNvPicPr>
+          <p:nvPr/>
+        </p:nvPicPr>
+        <p:blipFill>
+          <a:blip r:embed="rId3"/>
+          <a:stretch>
+            <a:fillRect/>
+          </a:stretch>
+        </p:blipFill>
+        <p:spPr>
+          <a:xfrm>
+            <a:off x="6076465" y="506360"/>
+            <a:ext cx="6115535" cy="5845277"/>
+          </a:xfrm>
+          <a:prstGeom prst="rect">
+            <a:avLst/>
+          </a:prstGeom>
+        </p:spPr>
+      </p:pic>
+      <p:pic>
+        <p:nvPicPr>
+          <p:cNvPr id="9" name="Picture 8">
+            <a:extLst>
+              <a:ext uri="{FF2B5EF4-FFF2-40B4-BE49-F238E27FC236}">
+                <a16:creationId xmlns:a16="http://schemas.microsoft.com/office/drawing/2014/main" id="{0E8E3690-3636-408E-FD6E-EB1741B8D5B5}"/>
+              </a:ext>
+            </a:extLst>
+          </p:cNvPr>
+          <p:cNvPicPr>
+            <a:picLocks noChangeAspect="1"/>
+          </p:cNvPicPr>
+          <p:nvPr/>
+        </p:nvPicPr>
+        <p:blipFill>
+          <a:blip r:embed="rId4"/>
+          <a:stretch>
+            <a:fillRect/>
+          </a:stretch>
+        </p:blipFill>
+        <p:spPr>
+          <a:xfrm>
+            <a:off x="0" y="506361"/>
+            <a:ext cx="5996513" cy="5845277"/>
+          </a:xfrm>
+          <a:prstGeom prst="rect">
+            <a:avLst/>
+          </a:prstGeom>
+        </p:spPr>
+      </p:pic>
+    </p:spTree>
+    <p:extLst>
+      <p:ext uri="{BB962C8B-B14F-4D97-AF65-F5344CB8AC3E}">
+        <p14:creationId xmlns:p14="http://schemas.microsoft.com/office/powerpoint/2010/main" val="2973698502"/>
+      </p:ext>
+    </p:extLst>
+  </p:cSld>
+  <p:clrMapOvr>
+    <a:masterClrMapping/>
+  </p:clrMapOvr>
+</p:sld>
+</file>
+
+<file path=ppt/slides/slide4.xml><?xml version="1.0" encoding="utf-8"?>
+<p:sld xmlns:a="http://schemas.openxmlformats.org/drawingml/2006/main" xmlns:r="http://schemas.openxmlformats.org/officeDocument/2006/relationships" xmlns:p="http://schemas.openxmlformats.org/presentationml/2006/main">
+  <p:cSld>
+    <p:spTree>
+      <p:nvGrpSpPr>
+        <p:cNvPr id="1" name=""/>
+        <p:cNvGrpSpPr/>
+        <p:nvPr/>
+      </p:nvGrpSpPr>
+      <p:grpSpPr>
+        <a:xfrm>
+          <a:off x="0" y="0"/>
+          <a:ext cx="0" cy="0"/>
+          <a:chOff x="0" y="0"/>
+          <a:chExt cx="0" cy="0"/>
+        </a:xfrm>
+      </p:grpSpPr>
+      <p:pic>
+        <p:nvPicPr>
+          <p:cNvPr id="3" name="Picture 2">
+            <a:extLst>
+              <a:ext uri="{FF2B5EF4-FFF2-40B4-BE49-F238E27FC236}">
+                <a16:creationId xmlns:a16="http://schemas.microsoft.com/office/drawing/2014/main" id="{0F9E17D9-9B00-8865-6238-7560AF41CB78}"/>
               </a:ext>
             </a:extLst>
           </p:cNvPr>
@@ -3966,20 +4608,80 @@
         </p:blipFill>
         <p:spPr>
           <a:xfrm>
-            <a:off x="1139765" y="1166497"/>
-            <a:ext cx="4544059" cy="4525006"/>
+            <a:off x="899159" y="1137918"/>
+            <a:ext cx="4867954" cy="4582164"/>
           </a:xfrm>
           <a:prstGeom prst="rect">
             <a:avLst/>
           </a:prstGeom>
         </p:spPr>
       </p:pic>
+    </p:spTree>
+    <p:extLst>
+      <p:ext uri="{BB962C8B-B14F-4D97-AF65-F5344CB8AC3E}">
+        <p14:creationId xmlns:p14="http://schemas.microsoft.com/office/powerpoint/2010/main" val="2518589995"/>
+      </p:ext>
+    </p:extLst>
+  </p:cSld>
+  <p:clrMapOvr>
+    <a:masterClrMapping/>
+  </p:clrMapOvr>
+</p:sld>
+</file>
+
+<file path=ppt/slides/slide5.xml><?xml version="1.0" encoding="utf-8"?>
+<p:sld xmlns:a="http://schemas.openxmlformats.org/drawingml/2006/main" xmlns:r="http://schemas.openxmlformats.org/officeDocument/2006/relationships" xmlns:p="http://schemas.openxmlformats.org/presentationml/2006/main">
+  <p:cSld>
+    <p:spTree>
+      <p:nvGrpSpPr>
+        <p:cNvPr id="1" name=""/>
+        <p:cNvGrpSpPr/>
+        <p:nvPr/>
+      </p:nvGrpSpPr>
+      <p:grpSpPr>
+        <a:xfrm>
+          <a:off x="0" y="0"/>
+          <a:ext cx="0" cy="0"/>
+          <a:chOff x="0" y="0"/>
+          <a:chExt cx="0" cy="0"/>
+        </a:xfrm>
+      </p:grpSpPr>
       <p:pic>
         <p:nvPicPr>
-          <p:cNvPr id="9" name="Picture 8">
-            <a:extLst>
-              <a:ext uri="{FF2B5EF4-FFF2-40B4-BE49-F238E27FC236}">
-                <a16:creationId xmlns:a16="http://schemas.microsoft.com/office/drawing/2014/main" id="{98775923-3D82-7ECB-CEE6-82270E986189}"/>
+          <p:cNvPr id="5" name="Picture 4">
+            <a:extLst>
+              <a:ext uri="{FF2B5EF4-FFF2-40B4-BE49-F238E27FC236}">
+                <a16:creationId xmlns:a16="http://schemas.microsoft.com/office/drawing/2014/main" id="{49876B2C-41BE-8C1B-278E-DF60D831BAEF}"/>
+              </a:ext>
+            </a:extLst>
+          </p:cNvPr>
+          <p:cNvPicPr>
+            <a:picLocks noChangeAspect="1"/>
+          </p:cNvPicPr>
+          <p:nvPr/>
+        </p:nvPicPr>
+        <p:blipFill>
+          <a:blip r:embed="rId2"/>
+          <a:stretch>
+            <a:fillRect/>
+          </a:stretch>
+        </p:blipFill>
+        <p:spPr>
+          <a:xfrm>
+            <a:off x="90395" y="737419"/>
+            <a:ext cx="5847100" cy="5383161"/>
+          </a:xfrm>
+          <a:prstGeom prst="rect">
+            <a:avLst/>
+          </a:prstGeom>
+        </p:spPr>
+      </p:pic>
+      <p:pic>
+        <p:nvPicPr>
+          <p:cNvPr id="7" name="Picture 6">
+            <a:extLst>
+              <a:ext uri="{FF2B5EF4-FFF2-40B4-BE49-F238E27FC236}">
+                <a16:creationId xmlns:a16="http://schemas.microsoft.com/office/drawing/2014/main" id="{05FAE088-E33E-2968-B709-DDC56ADA774E}"/>
               </a:ext>
             </a:extLst>
           </p:cNvPr>
@@ -3996,8 +4698,8 @@
         </p:blipFill>
         <p:spPr>
           <a:xfrm>
-            <a:off x="6596667" y="1109339"/>
-            <a:ext cx="4544059" cy="4582164"/>
+            <a:off x="6141631" y="737419"/>
+            <a:ext cx="6050369" cy="5383161"/>
           </a:xfrm>
           <a:prstGeom prst="rect">
             <a:avLst/>
@@ -4007,7 +4709,367 @@
     </p:spTree>
     <p:extLst>
       <p:ext uri="{BB962C8B-B14F-4D97-AF65-F5344CB8AC3E}">
-        <p14:creationId xmlns:p14="http://schemas.microsoft.com/office/powerpoint/2010/main" val="3614146298"/>
+        <p14:creationId xmlns:p14="http://schemas.microsoft.com/office/powerpoint/2010/main" val="600543097"/>
+      </p:ext>
+    </p:extLst>
+  </p:cSld>
+  <p:clrMapOvr>
+    <a:masterClrMapping/>
+  </p:clrMapOvr>
+</p:sld>
+</file>
+
+<file path=ppt/slides/slide6.xml><?xml version="1.0" encoding="utf-8"?>
+<p:sld xmlns:a="http://schemas.openxmlformats.org/drawingml/2006/main" xmlns:r="http://schemas.openxmlformats.org/officeDocument/2006/relationships" xmlns:p="http://schemas.openxmlformats.org/presentationml/2006/main">
+  <p:cSld>
+    <p:spTree>
+      <p:nvGrpSpPr>
+        <p:cNvPr id="1" name=""/>
+        <p:cNvGrpSpPr/>
+        <p:nvPr/>
+      </p:nvGrpSpPr>
+      <p:grpSpPr>
+        <a:xfrm>
+          <a:off x="0" y="0"/>
+          <a:ext cx="0" cy="0"/>
+          <a:chOff x="0" y="0"/>
+          <a:chExt cx="0" cy="0"/>
+        </a:xfrm>
+      </p:grpSpPr>
+      <p:pic>
+        <p:nvPicPr>
+          <p:cNvPr id="3" name="Picture 2">
+            <a:extLst>
+              <a:ext uri="{FF2B5EF4-FFF2-40B4-BE49-F238E27FC236}">
+                <a16:creationId xmlns:a16="http://schemas.microsoft.com/office/drawing/2014/main" id="{4F505575-AFE5-EF57-C12C-3AF6A07B859B}"/>
+              </a:ext>
+            </a:extLst>
+          </p:cNvPr>
+          <p:cNvPicPr>
+            <a:picLocks noChangeAspect="1"/>
+          </p:cNvPicPr>
+          <p:nvPr/>
+        </p:nvPicPr>
+        <p:blipFill>
+          <a:blip r:embed="rId2"/>
+          <a:stretch>
+            <a:fillRect/>
+          </a:stretch>
+        </p:blipFill>
+        <p:spPr>
+          <a:xfrm>
+            <a:off x="100227" y="796413"/>
+            <a:ext cx="5718944" cy="5265174"/>
+          </a:xfrm>
+          <a:prstGeom prst="rect">
+            <a:avLst/>
+          </a:prstGeom>
+        </p:spPr>
+      </p:pic>
+      <p:pic>
+        <p:nvPicPr>
+          <p:cNvPr id="7" name="Picture 6">
+            <a:extLst>
+              <a:ext uri="{FF2B5EF4-FFF2-40B4-BE49-F238E27FC236}">
+                <a16:creationId xmlns:a16="http://schemas.microsoft.com/office/drawing/2014/main" id="{CD269C97-5457-DADC-A6A6-2EEE3972FD7B}"/>
+              </a:ext>
+            </a:extLst>
+          </p:cNvPr>
+          <p:cNvPicPr>
+            <a:picLocks noChangeAspect="1"/>
+          </p:cNvPicPr>
+          <p:nvPr/>
+        </p:nvPicPr>
+        <p:blipFill>
+          <a:blip r:embed="rId3"/>
+          <a:stretch>
+            <a:fillRect/>
+          </a:stretch>
+        </p:blipFill>
+        <p:spPr>
+          <a:xfrm>
+            <a:off x="6261201" y="796413"/>
+            <a:ext cx="5930799" cy="5265174"/>
+          </a:xfrm>
+          <a:prstGeom prst="rect">
+            <a:avLst/>
+          </a:prstGeom>
+        </p:spPr>
+      </p:pic>
+    </p:spTree>
+    <p:extLst>
+      <p:ext uri="{BB962C8B-B14F-4D97-AF65-F5344CB8AC3E}">
+        <p14:creationId xmlns:p14="http://schemas.microsoft.com/office/powerpoint/2010/main" val="1035868048"/>
+      </p:ext>
+    </p:extLst>
+  </p:cSld>
+  <p:clrMapOvr>
+    <a:masterClrMapping/>
+  </p:clrMapOvr>
+</p:sld>
+</file>
+
+<file path=ppt/slides/slide7.xml><?xml version="1.0" encoding="utf-8"?>
+<p:sld xmlns:a="http://schemas.openxmlformats.org/drawingml/2006/main" xmlns:r="http://schemas.openxmlformats.org/officeDocument/2006/relationships" xmlns:p="http://schemas.openxmlformats.org/presentationml/2006/main">
+  <p:cSld>
+    <p:spTree>
+      <p:nvGrpSpPr>
+        <p:cNvPr id="1" name=""/>
+        <p:cNvGrpSpPr/>
+        <p:nvPr/>
+      </p:nvGrpSpPr>
+      <p:grpSpPr>
+        <a:xfrm>
+          <a:off x="0" y="0"/>
+          <a:ext cx="0" cy="0"/>
+          <a:chOff x="0" y="0"/>
+          <a:chExt cx="0" cy="0"/>
+        </a:xfrm>
+      </p:grpSpPr>
+      <p:pic>
+        <p:nvPicPr>
+          <p:cNvPr id="3" name="Picture 2">
+            <a:extLst>
+              <a:ext uri="{FF2B5EF4-FFF2-40B4-BE49-F238E27FC236}">
+                <a16:creationId xmlns:a16="http://schemas.microsoft.com/office/drawing/2014/main" id="{430DBD73-34FF-7169-5B82-D40B4D8E4C49}"/>
+              </a:ext>
+            </a:extLst>
+          </p:cNvPr>
+          <p:cNvPicPr>
+            <a:picLocks noChangeAspect="1"/>
+          </p:cNvPicPr>
+          <p:nvPr/>
+        </p:nvPicPr>
+        <p:blipFill>
+          <a:blip r:embed="rId2"/>
+          <a:stretch>
+            <a:fillRect/>
+          </a:stretch>
+        </p:blipFill>
+        <p:spPr>
+          <a:xfrm>
+            <a:off x="611445" y="1218891"/>
+            <a:ext cx="4401164" cy="4420217"/>
+          </a:xfrm>
+          <a:prstGeom prst="rect">
+            <a:avLst/>
+          </a:prstGeom>
+        </p:spPr>
+      </p:pic>
+      <p:pic>
+        <p:nvPicPr>
+          <p:cNvPr id="5" name="Picture 4">
+            <a:extLst>
+              <a:ext uri="{FF2B5EF4-FFF2-40B4-BE49-F238E27FC236}">
+                <a16:creationId xmlns:a16="http://schemas.microsoft.com/office/drawing/2014/main" id="{381B773E-CB3C-A47D-8208-E52F16A350DE}"/>
+              </a:ext>
+            </a:extLst>
+          </p:cNvPr>
+          <p:cNvPicPr>
+            <a:picLocks noChangeAspect="1"/>
+          </p:cNvPicPr>
+          <p:nvPr/>
+        </p:nvPicPr>
+        <p:blipFill>
+          <a:blip r:embed="rId3"/>
+          <a:stretch>
+            <a:fillRect/>
+          </a:stretch>
+        </p:blipFill>
+        <p:spPr>
+          <a:xfrm>
+            <a:off x="6547811" y="1218891"/>
+            <a:ext cx="4563112" cy="4305901"/>
+          </a:xfrm>
+          <a:prstGeom prst="rect">
+            <a:avLst/>
+          </a:prstGeom>
+        </p:spPr>
+      </p:pic>
+    </p:spTree>
+    <p:extLst>
+      <p:ext uri="{BB962C8B-B14F-4D97-AF65-F5344CB8AC3E}">
+        <p14:creationId xmlns:p14="http://schemas.microsoft.com/office/powerpoint/2010/main" val="3952932203"/>
+      </p:ext>
+    </p:extLst>
+  </p:cSld>
+  <p:clrMapOvr>
+    <a:masterClrMapping/>
+  </p:clrMapOvr>
+</p:sld>
+</file>
+
+<file path=ppt/slides/slide8.xml><?xml version="1.0" encoding="utf-8"?>
+<p:sld xmlns:a="http://schemas.openxmlformats.org/drawingml/2006/main" xmlns:r="http://schemas.openxmlformats.org/officeDocument/2006/relationships" xmlns:p="http://schemas.openxmlformats.org/presentationml/2006/main">
+  <p:cSld>
+    <p:spTree>
+      <p:nvGrpSpPr>
+        <p:cNvPr id="1" name=""/>
+        <p:cNvGrpSpPr/>
+        <p:nvPr/>
+      </p:nvGrpSpPr>
+      <p:grpSpPr>
+        <a:xfrm>
+          <a:off x="0" y="0"/>
+          <a:ext cx="0" cy="0"/>
+          <a:chOff x="0" y="0"/>
+          <a:chExt cx="0" cy="0"/>
+        </a:xfrm>
+      </p:grpSpPr>
+      <p:pic>
+        <p:nvPicPr>
+          <p:cNvPr id="5" name="Picture 4">
+            <a:extLst>
+              <a:ext uri="{FF2B5EF4-FFF2-40B4-BE49-F238E27FC236}">
+                <a16:creationId xmlns:a16="http://schemas.microsoft.com/office/drawing/2014/main" id="{2D3F348A-D5AE-FA54-6054-2AF1282A4AEB}"/>
+              </a:ext>
+            </a:extLst>
+          </p:cNvPr>
+          <p:cNvPicPr>
+            <a:picLocks noChangeAspect="1"/>
+          </p:cNvPicPr>
+          <p:nvPr/>
+        </p:nvPicPr>
+        <p:blipFill>
+          <a:blip r:embed="rId2"/>
+          <a:stretch>
+            <a:fillRect/>
+          </a:stretch>
+        </p:blipFill>
+        <p:spPr>
+          <a:xfrm>
+            <a:off x="343889" y="527460"/>
+            <a:ext cx="5752111" cy="5803080"/>
+          </a:xfrm>
+          <a:prstGeom prst="rect">
+            <a:avLst/>
+          </a:prstGeom>
+        </p:spPr>
+      </p:pic>
+      <p:pic>
+        <p:nvPicPr>
+          <p:cNvPr id="9" name="Picture 8">
+            <a:extLst>
+              <a:ext uri="{FF2B5EF4-FFF2-40B4-BE49-F238E27FC236}">
+                <a16:creationId xmlns:a16="http://schemas.microsoft.com/office/drawing/2014/main" id="{F2450F93-ADF2-1F51-C90B-612C68531A2B}"/>
+              </a:ext>
+            </a:extLst>
+          </p:cNvPr>
+          <p:cNvPicPr>
+            <a:picLocks noChangeAspect="1"/>
+          </p:cNvPicPr>
+          <p:nvPr/>
+        </p:nvPicPr>
+        <p:blipFill>
+          <a:blip r:embed="rId3"/>
+          <a:stretch>
+            <a:fillRect/>
+          </a:stretch>
+        </p:blipFill>
+        <p:spPr>
+          <a:xfrm>
+            <a:off x="6242707" y="527460"/>
+            <a:ext cx="5766720" cy="5803080"/>
+          </a:xfrm>
+          <a:prstGeom prst="rect">
+            <a:avLst/>
+          </a:prstGeom>
+        </p:spPr>
+      </p:pic>
+    </p:spTree>
+    <p:extLst>
+      <p:ext uri="{BB962C8B-B14F-4D97-AF65-F5344CB8AC3E}">
+        <p14:creationId xmlns:p14="http://schemas.microsoft.com/office/powerpoint/2010/main" val="2816798834"/>
+      </p:ext>
+    </p:extLst>
+  </p:cSld>
+  <p:clrMapOvr>
+    <a:masterClrMapping/>
+  </p:clrMapOvr>
+</p:sld>
+</file>
+
+<file path=ppt/slides/slide9.xml><?xml version="1.0" encoding="utf-8"?>
+<p:sld xmlns:a="http://schemas.openxmlformats.org/drawingml/2006/main" xmlns:r="http://schemas.openxmlformats.org/officeDocument/2006/relationships" xmlns:p="http://schemas.openxmlformats.org/presentationml/2006/main">
+  <p:cSld>
+    <p:spTree>
+      <p:nvGrpSpPr>
+        <p:cNvPr id="1" name=""/>
+        <p:cNvGrpSpPr/>
+        <p:nvPr/>
+      </p:nvGrpSpPr>
+      <p:grpSpPr>
+        <a:xfrm>
+          <a:off x="0" y="0"/>
+          <a:ext cx="0" cy="0"/>
+          <a:chOff x="0" y="0"/>
+          <a:chExt cx="0" cy="0"/>
+        </a:xfrm>
+      </p:grpSpPr>
+      <p:pic>
+        <p:nvPicPr>
+          <p:cNvPr id="7" name="Picture 6">
+            <a:extLst>
+              <a:ext uri="{FF2B5EF4-FFF2-40B4-BE49-F238E27FC236}">
+                <a16:creationId xmlns:a16="http://schemas.microsoft.com/office/drawing/2014/main" id="{EB703144-427D-7303-1658-89127F8457B3}"/>
+              </a:ext>
+            </a:extLst>
+          </p:cNvPr>
+          <p:cNvPicPr>
+            <a:picLocks noChangeAspect="1"/>
+          </p:cNvPicPr>
+          <p:nvPr/>
+        </p:nvPicPr>
+        <p:blipFill>
+          <a:blip r:embed="rId2"/>
+          <a:stretch>
+            <a:fillRect/>
+          </a:stretch>
+        </p:blipFill>
+        <p:spPr>
+          <a:xfrm>
+            <a:off x="127578" y="545690"/>
+            <a:ext cx="5752112" cy="5766619"/>
+          </a:xfrm>
+          <a:prstGeom prst="rect">
+            <a:avLst/>
+          </a:prstGeom>
+        </p:spPr>
+      </p:pic>
+      <p:pic>
+        <p:nvPicPr>
+          <p:cNvPr id="3" name="Picture 2">
+            <a:extLst>
+              <a:ext uri="{FF2B5EF4-FFF2-40B4-BE49-F238E27FC236}">
+                <a16:creationId xmlns:a16="http://schemas.microsoft.com/office/drawing/2014/main" id="{AECA479E-A874-348D-80FE-019AC221AB7F}"/>
+              </a:ext>
+            </a:extLst>
+          </p:cNvPr>
+          <p:cNvPicPr>
+            <a:picLocks noChangeAspect="1"/>
+          </p:cNvPicPr>
+          <p:nvPr/>
+        </p:nvPicPr>
+        <p:blipFill>
+          <a:blip r:embed="rId3"/>
+          <a:stretch>
+            <a:fillRect/>
+          </a:stretch>
+        </p:blipFill>
+        <p:spPr>
+          <a:xfrm>
+            <a:off x="6247523" y="545690"/>
+            <a:ext cx="5744885" cy="5766619"/>
+          </a:xfrm>
+          <a:prstGeom prst="rect">
+            <a:avLst/>
+          </a:prstGeom>
+        </p:spPr>
+      </p:pic>
+    </p:spTree>
+    <p:extLst>
+      <p:ext uri="{BB962C8B-B14F-4D97-AF65-F5344CB8AC3E}">
+        <p14:creationId xmlns:p14="http://schemas.microsoft.com/office/powerpoint/2010/main" val="2048923301"/>
       </p:ext>
     </p:extLst>
   </p:cSld>
